--- a/assets/asset.pptx
+++ b/assets/asset.pptx
@@ -8,6 +8,8 @@
     <p:sldId id="256" r:id="rId2"/>
     <p:sldId id="257" r:id="rId3"/>
     <p:sldId id="258" r:id="rId4"/>
+    <p:sldId id="259" r:id="rId5"/>
+    <p:sldId id="260" r:id="rId6"/>
   </p:sldIdLst>
   <p:sldSz cx="12192000" cy="6858000"/>
   <p:notesSz cx="6858000" cy="9144000"/>
@@ -106,6 +108,11 @@
       </a:defRPr>
     </a:lvl9pPr>
   </p:defaultTextStyle>
+  <p:extLst>
+    <p:ext uri="{EFAFB233-063F-42B5-8137-9DF3F51BA10A}">
+      <p15:sldGuideLst xmlns:p15="http://schemas.microsoft.com/office/powerpoint/2012/main"/>
+    </p:ext>
+  </p:extLst>
 </p:presentation>
 </file>
 
@@ -258,7 +265,7 @@
           <a:p>
             <a:fld id="{62F62857-B228-3A40-90DD-E9A7B26EE83A}" type="datetimeFigureOut">
               <a:rPr kumimoji="1" lang="ko-Kore-KR" altLang="en-US" smtClean="0"/>
-              <a:t>2022. 3. 2.</a:t>
+              <a:t>2022. 3. 5.</a:t>
             </a:fld>
             <a:endParaRPr kumimoji="1" lang="ko-Kore-KR" altLang="en-US"/>
           </a:p>
@@ -458,7 +465,7 @@
           <a:p>
             <a:fld id="{62F62857-B228-3A40-90DD-E9A7B26EE83A}" type="datetimeFigureOut">
               <a:rPr kumimoji="1" lang="ko-Kore-KR" altLang="en-US" smtClean="0"/>
-              <a:t>2022. 3. 2.</a:t>
+              <a:t>2022. 3. 5.</a:t>
             </a:fld>
             <a:endParaRPr kumimoji="1" lang="ko-Kore-KR" altLang="en-US"/>
           </a:p>
@@ -668,7 +675,7 @@
           <a:p>
             <a:fld id="{62F62857-B228-3A40-90DD-E9A7B26EE83A}" type="datetimeFigureOut">
               <a:rPr kumimoji="1" lang="ko-Kore-KR" altLang="en-US" smtClean="0"/>
-              <a:t>2022. 3. 2.</a:t>
+              <a:t>2022. 3. 5.</a:t>
             </a:fld>
             <a:endParaRPr kumimoji="1" lang="ko-Kore-KR" altLang="en-US"/>
           </a:p>
@@ -868,7 +875,7 @@
           <a:p>
             <a:fld id="{62F62857-B228-3A40-90DD-E9A7B26EE83A}" type="datetimeFigureOut">
               <a:rPr kumimoji="1" lang="ko-Kore-KR" altLang="en-US" smtClean="0"/>
-              <a:t>2022. 3. 2.</a:t>
+              <a:t>2022. 3. 5.</a:t>
             </a:fld>
             <a:endParaRPr kumimoji="1" lang="ko-Kore-KR" altLang="en-US"/>
           </a:p>
@@ -1144,7 +1151,7 @@
           <a:p>
             <a:fld id="{62F62857-B228-3A40-90DD-E9A7B26EE83A}" type="datetimeFigureOut">
               <a:rPr kumimoji="1" lang="ko-Kore-KR" altLang="en-US" smtClean="0"/>
-              <a:t>2022. 3. 2.</a:t>
+              <a:t>2022. 3. 5.</a:t>
             </a:fld>
             <a:endParaRPr kumimoji="1" lang="ko-Kore-KR" altLang="en-US"/>
           </a:p>
@@ -1412,7 +1419,7 @@
           <a:p>
             <a:fld id="{62F62857-B228-3A40-90DD-E9A7B26EE83A}" type="datetimeFigureOut">
               <a:rPr kumimoji="1" lang="ko-Kore-KR" altLang="en-US" smtClean="0"/>
-              <a:t>2022. 3. 2.</a:t>
+              <a:t>2022. 3. 5.</a:t>
             </a:fld>
             <a:endParaRPr kumimoji="1" lang="ko-Kore-KR" altLang="en-US"/>
           </a:p>
@@ -1827,7 +1834,7 @@
           <a:p>
             <a:fld id="{62F62857-B228-3A40-90DD-E9A7B26EE83A}" type="datetimeFigureOut">
               <a:rPr kumimoji="1" lang="ko-Kore-KR" altLang="en-US" smtClean="0"/>
-              <a:t>2022. 3. 2.</a:t>
+              <a:t>2022. 3. 5.</a:t>
             </a:fld>
             <a:endParaRPr kumimoji="1" lang="ko-Kore-KR" altLang="en-US"/>
           </a:p>
@@ -1969,7 +1976,7 @@
           <a:p>
             <a:fld id="{62F62857-B228-3A40-90DD-E9A7B26EE83A}" type="datetimeFigureOut">
               <a:rPr kumimoji="1" lang="ko-Kore-KR" altLang="en-US" smtClean="0"/>
-              <a:t>2022. 3. 2.</a:t>
+              <a:t>2022. 3. 5.</a:t>
             </a:fld>
             <a:endParaRPr kumimoji="1" lang="ko-Kore-KR" altLang="en-US"/>
           </a:p>
@@ -2082,7 +2089,7 @@
           <a:p>
             <a:fld id="{62F62857-B228-3A40-90DD-E9A7B26EE83A}" type="datetimeFigureOut">
               <a:rPr kumimoji="1" lang="ko-Kore-KR" altLang="en-US" smtClean="0"/>
-              <a:t>2022. 3. 2.</a:t>
+              <a:t>2022. 3. 5.</a:t>
             </a:fld>
             <a:endParaRPr kumimoji="1" lang="ko-Kore-KR" altLang="en-US"/>
           </a:p>
@@ -2395,7 +2402,7 @@
           <a:p>
             <a:fld id="{62F62857-B228-3A40-90DD-E9A7B26EE83A}" type="datetimeFigureOut">
               <a:rPr kumimoji="1" lang="ko-Kore-KR" altLang="en-US" smtClean="0"/>
-              <a:t>2022. 3. 2.</a:t>
+              <a:t>2022. 3. 5.</a:t>
             </a:fld>
             <a:endParaRPr kumimoji="1" lang="ko-Kore-KR" altLang="en-US"/>
           </a:p>
@@ -2684,7 +2691,7 @@
           <a:p>
             <a:fld id="{62F62857-B228-3A40-90DD-E9A7B26EE83A}" type="datetimeFigureOut">
               <a:rPr kumimoji="1" lang="ko-Kore-KR" altLang="en-US" smtClean="0"/>
-              <a:t>2022. 3. 2.</a:t>
+              <a:t>2022. 3. 5.</a:t>
             </a:fld>
             <a:endParaRPr kumimoji="1" lang="ko-Kore-KR" altLang="en-US"/>
           </a:p>
@@ -2927,7 +2934,7 @@
           <a:p>
             <a:fld id="{62F62857-B228-3A40-90DD-E9A7B26EE83A}" type="datetimeFigureOut">
               <a:rPr kumimoji="1" lang="ko-Kore-KR" altLang="en-US" smtClean="0"/>
-              <a:t>2022. 3. 2.</a:t>
+              <a:t>2022. 3. 5.</a:t>
             </a:fld>
             <a:endParaRPr kumimoji="1" lang="ko-Kore-KR" altLang="en-US"/>
           </a:p>
@@ -4830,6 +4837,1160 @@
 </p:sld>
 </file>
 
+<file path=ppt/slides/slide4.xml><?xml version="1.0" encoding="utf-8"?>
+<p:sld xmlns:a="http://schemas.openxmlformats.org/drawingml/2006/main" xmlns:r="http://schemas.openxmlformats.org/officeDocument/2006/relationships" xmlns:p="http://schemas.openxmlformats.org/presentationml/2006/main">
+  <p:cSld>
+    <p:spTree>
+      <p:nvGrpSpPr>
+        <p:cNvPr id="1" name=""/>
+        <p:cNvGrpSpPr/>
+        <p:nvPr/>
+      </p:nvGrpSpPr>
+      <p:grpSpPr>
+        <a:xfrm>
+          <a:off x="0" y="0"/>
+          <a:ext cx="0" cy="0"/>
+          <a:chOff x="0" y="0"/>
+          <a:chExt cx="0" cy="0"/>
+        </a:xfrm>
+      </p:grpSpPr>
+      <p:sp>
+        <p:nvSpPr>
+          <p:cNvPr id="2" name="제목 1">
+            <a:extLst>
+              <a:ext uri="{FF2B5EF4-FFF2-40B4-BE49-F238E27FC236}">
+                <a16:creationId xmlns:a16="http://schemas.microsoft.com/office/drawing/2014/main" id="{166B2373-4454-1343-AF68-EDA7FCAE0EA7}"/>
+              </a:ext>
+            </a:extLst>
+          </p:cNvPr>
+          <p:cNvSpPr>
+            <a:spLocks noGrp="1"/>
+          </p:cNvSpPr>
+          <p:nvPr>
+            <p:ph type="ctrTitle"/>
+          </p:nvPr>
+        </p:nvSpPr>
+        <p:spPr>
+          <a:xfrm>
+            <a:off x="171189" y="212941"/>
+            <a:ext cx="4798376" cy="501043"/>
+          </a:xfrm>
+        </p:spPr>
+        <p:txBody>
+          <a:bodyPr>
+            <a:noAutofit/>
+          </a:bodyPr>
+          <a:lstStyle/>
+          <a:p>
+            <a:r>
+              <a:rPr kumimoji="1" lang="en-US" altLang="ko-KR" sz="2800" dirty="0"/>
+              <a:t>3</a:t>
+            </a:r>
+            <a:r>
+              <a:rPr kumimoji="1" lang="ko-KR" altLang="en-US" sz="2800" dirty="0"/>
+              <a:t> </a:t>
+            </a:r>
+            <a:r>
+              <a:rPr kumimoji="1" lang="en-US" altLang="ko-KR" sz="2800" dirty="0"/>
+              <a:t>Unity Circular Dependency</a:t>
+            </a:r>
+            <a:endParaRPr kumimoji="1" lang="ko-Kore-KR" altLang="en-US" sz="2800" dirty="0"/>
+          </a:p>
+        </p:txBody>
+      </p:sp>
+      <p:sp>
+        <p:nvSpPr>
+          <p:cNvPr id="5" name="직사각형 4">
+            <a:extLst>
+              <a:ext uri="{FF2B5EF4-FFF2-40B4-BE49-F238E27FC236}">
+                <a16:creationId xmlns:a16="http://schemas.microsoft.com/office/drawing/2014/main" id="{802D15D2-E84C-C54B-8F82-28F73084FA82}"/>
+              </a:ext>
+            </a:extLst>
+          </p:cNvPr>
+          <p:cNvSpPr/>
+          <p:nvPr/>
+        </p:nvSpPr>
+        <p:spPr>
+          <a:xfrm>
+            <a:off x="1881809" y="2839278"/>
+            <a:ext cx="1762539" cy="1179444"/>
+          </a:xfrm>
+          <a:prstGeom prst="rect">
+            <a:avLst/>
+          </a:prstGeom>
+          <a:noFill/>
+          <a:ln w="38100">
+            <a:extLst>
+              <a:ext uri="{C807C97D-BFC1-408E-A445-0C87EB9F89A2}">
+                <ask:lineSketchStyleProps xmlns:ask="http://schemas.microsoft.com/office/drawing/2018/sketchyshapes" sd="1219033472">
+                  <a:custGeom>
+                    <a:avLst/>
+                    <a:gdLst>
+                      <a:gd name="connsiteX0" fmla="*/ 0 w 1762539"/>
+                      <a:gd name="connsiteY0" fmla="*/ 0 h 1179444"/>
+                      <a:gd name="connsiteX1" fmla="*/ 569888 w 1762539"/>
+                      <a:gd name="connsiteY1" fmla="*/ 0 h 1179444"/>
+                      <a:gd name="connsiteX2" fmla="*/ 1104524 w 1762539"/>
+                      <a:gd name="connsiteY2" fmla="*/ 0 h 1179444"/>
+                      <a:gd name="connsiteX3" fmla="*/ 1762539 w 1762539"/>
+                      <a:gd name="connsiteY3" fmla="*/ 0 h 1179444"/>
+                      <a:gd name="connsiteX4" fmla="*/ 1762539 w 1762539"/>
+                      <a:gd name="connsiteY4" fmla="*/ 577928 h 1179444"/>
+                      <a:gd name="connsiteX5" fmla="*/ 1762539 w 1762539"/>
+                      <a:gd name="connsiteY5" fmla="*/ 1179444 h 1179444"/>
+                      <a:gd name="connsiteX6" fmla="*/ 1210277 w 1762539"/>
+                      <a:gd name="connsiteY6" fmla="*/ 1179444 h 1179444"/>
+                      <a:gd name="connsiteX7" fmla="*/ 658015 w 1762539"/>
+                      <a:gd name="connsiteY7" fmla="*/ 1179444 h 1179444"/>
+                      <a:gd name="connsiteX8" fmla="*/ 0 w 1762539"/>
+                      <a:gd name="connsiteY8" fmla="*/ 1179444 h 1179444"/>
+                      <a:gd name="connsiteX9" fmla="*/ 0 w 1762539"/>
+                      <a:gd name="connsiteY9" fmla="*/ 625105 h 1179444"/>
+                      <a:gd name="connsiteX10" fmla="*/ 0 w 1762539"/>
+                      <a:gd name="connsiteY10" fmla="*/ 0 h 1179444"/>
+                    </a:gdLst>
+                    <a:ahLst/>
+                    <a:cxnLst>
+                      <a:cxn ang="0">
+                        <a:pos x="connsiteX0" y="connsiteY0"/>
+                      </a:cxn>
+                      <a:cxn ang="0">
+                        <a:pos x="connsiteX1" y="connsiteY1"/>
+                      </a:cxn>
+                      <a:cxn ang="0">
+                        <a:pos x="connsiteX2" y="connsiteY2"/>
+                      </a:cxn>
+                      <a:cxn ang="0">
+                        <a:pos x="connsiteX3" y="connsiteY3"/>
+                      </a:cxn>
+                      <a:cxn ang="0">
+                        <a:pos x="connsiteX4" y="connsiteY4"/>
+                      </a:cxn>
+                      <a:cxn ang="0">
+                        <a:pos x="connsiteX5" y="connsiteY5"/>
+                      </a:cxn>
+                      <a:cxn ang="0">
+                        <a:pos x="connsiteX6" y="connsiteY6"/>
+                      </a:cxn>
+                      <a:cxn ang="0">
+                        <a:pos x="connsiteX7" y="connsiteY7"/>
+                      </a:cxn>
+                      <a:cxn ang="0">
+                        <a:pos x="connsiteX8" y="connsiteY8"/>
+                      </a:cxn>
+                      <a:cxn ang="0">
+                        <a:pos x="connsiteX9" y="connsiteY9"/>
+                      </a:cxn>
+                      <a:cxn ang="0">
+                        <a:pos x="connsiteX10" y="connsiteY10"/>
+                      </a:cxn>
+                    </a:cxnLst>
+                    <a:rect l="l" t="t" r="r" b="b"/>
+                    <a:pathLst>
+                      <a:path w="1762539" h="1179444" extrusionOk="0">
+                        <a:moveTo>
+                          <a:pt x="0" y="0"/>
+                        </a:moveTo>
+                        <a:cubicBezTo>
+                          <a:pt x="142537" y="-58560"/>
+                          <a:pt x="424515" y="2827"/>
+                          <a:pt x="569888" y="0"/>
+                        </a:cubicBezTo>
+                        <a:cubicBezTo>
+                          <a:pt x="715261" y="-2827"/>
+                          <a:pt x="921988" y="40378"/>
+                          <a:pt x="1104524" y="0"/>
+                        </a:cubicBezTo>
+                        <a:cubicBezTo>
+                          <a:pt x="1287060" y="-40378"/>
+                          <a:pt x="1466685" y="76792"/>
+                          <a:pt x="1762539" y="0"/>
+                        </a:cubicBezTo>
+                        <a:cubicBezTo>
+                          <a:pt x="1822187" y="217155"/>
+                          <a:pt x="1722498" y="447933"/>
+                          <a:pt x="1762539" y="577928"/>
+                        </a:cubicBezTo>
+                        <a:cubicBezTo>
+                          <a:pt x="1802580" y="707923"/>
+                          <a:pt x="1690576" y="1049712"/>
+                          <a:pt x="1762539" y="1179444"/>
+                        </a:cubicBezTo>
+                        <a:cubicBezTo>
+                          <a:pt x="1539881" y="1192486"/>
+                          <a:pt x="1377429" y="1141117"/>
+                          <a:pt x="1210277" y="1179444"/>
+                        </a:cubicBezTo>
+                        <a:cubicBezTo>
+                          <a:pt x="1043125" y="1217771"/>
+                          <a:pt x="933825" y="1116395"/>
+                          <a:pt x="658015" y="1179444"/>
+                        </a:cubicBezTo>
+                        <a:cubicBezTo>
+                          <a:pt x="382205" y="1242493"/>
+                          <a:pt x="191730" y="1137945"/>
+                          <a:pt x="0" y="1179444"/>
+                        </a:cubicBezTo>
+                        <a:cubicBezTo>
+                          <a:pt x="-13009" y="990067"/>
+                          <a:pt x="64545" y="747068"/>
+                          <a:pt x="0" y="625105"/>
+                        </a:cubicBezTo>
+                        <a:cubicBezTo>
+                          <a:pt x="-64545" y="503142"/>
+                          <a:pt x="36278" y="204572"/>
+                          <a:pt x="0" y="0"/>
+                        </a:cubicBezTo>
+                        <a:close/>
+                      </a:path>
+                    </a:pathLst>
+                  </a:custGeom>
+                  <ask:type>
+                    <ask:lineSketchNone/>
+                  </ask:type>
+                </ask:lineSketchStyleProps>
+              </a:ext>
+            </a:extLst>
+          </a:ln>
+        </p:spPr>
+        <p:style>
+          <a:lnRef idx="2">
+            <a:schemeClr val="accent1">
+              <a:shade val="50000"/>
+            </a:schemeClr>
+          </a:lnRef>
+          <a:fillRef idx="1">
+            <a:schemeClr val="accent1"/>
+          </a:fillRef>
+          <a:effectRef idx="0">
+            <a:schemeClr val="accent1"/>
+          </a:effectRef>
+          <a:fontRef idx="minor">
+            <a:schemeClr val="lt1"/>
+          </a:fontRef>
+        </p:style>
+        <p:txBody>
+          <a:bodyPr rtlCol="0" anchor="ctr"/>
+          <a:lstStyle/>
+          <a:p>
+            <a:pPr algn="ctr"/>
+            <a:r>
+              <a:rPr kumimoji="1" lang="en-US" altLang="ko-Kore-KR" dirty="0">
+                <a:solidFill>
+                  <a:schemeClr val="tx1"/>
+                </a:solidFill>
+              </a:rPr>
+              <a:t>Movement</a:t>
+            </a:r>
+            <a:endParaRPr kumimoji="1" lang="ko-Kore-KR" altLang="en-US" dirty="0">
+              <a:solidFill>
+                <a:schemeClr val="tx1"/>
+              </a:solidFill>
+            </a:endParaRPr>
+          </a:p>
+        </p:txBody>
+      </p:sp>
+      <p:sp>
+        <p:nvSpPr>
+          <p:cNvPr id="11" name="직사각형 10">
+            <a:extLst>
+              <a:ext uri="{FF2B5EF4-FFF2-40B4-BE49-F238E27FC236}">
+                <a16:creationId xmlns:a16="http://schemas.microsoft.com/office/drawing/2014/main" id="{9BCE27F4-982B-1949-A9B9-6DAAB6A47ECC}"/>
+              </a:ext>
+            </a:extLst>
+          </p:cNvPr>
+          <p:cNvSpPr/>
+          <p:nvPr/>
+        </p:nvSpPr>
+        <p:spPr>
+          <a:xfrm>
+            <a:off x="4718050" y="2839278"/>
+            <a:ext cx="1762539" cy="1179444"/>
+          </a:xfrm>
+          <a:prstGeom prst="rect">
+            <a:avLst/>
+          </a:prstGeom>
+          <a:noFill/>
+          <a:ln w="38100">
+            <a:extLst>
+              <a:ext uri="{C807C97D-BFC1-408E-A445-0C87EB9F89A2}">
+                <ask:lineSketchStyleProps xmlns:ask="http://schemas.microsoft.com/office/drawing/2018/sketchyshapes" sd="1219033472">
+                  <a:custGeom>
+                    <a:avLst/>
+                    <a:gdLst>
+                      <a:gd name="connsiteX0" fmla="*/ 0 w 1762539"/>
+                      <a:gd name="connsiteY0" fmla="*/ 0 h 1179444"/>
+                      <a:gd name="connsiteX1" fmla="*/ 569888 w 1762539"/>
+                      <a:gd name="connsiteY1" fmla="*/ 0 h 1179444"/>
+                      <a:gd name="connsiteX2" fmla="*/ 1104524 w 1762539"/>
+                      <a:gd name="connsiteY2" fmla="*/ 0 h 1179444"/>
+                      <a:gd name="connsiteX3" fmla="*/ 1762539 w 1762539"/>
+                      <a:gd name="connsiteY3" fmla="*/ 0 h 1179444"/>
+                      <a:gd name="connsiteX4" fmla="*/ 1762539 w 1762539"/>
+                      <a:gd name="connsiteY4" fmla="*/ 577928 h 1179444"/>
+                      <a:gd name="connsiteX5" fmla="*/ 1762539 w 1762539"/>
+                      <a:gd name="connsiteY5" fmla="*/ 1179444 h 1179444"/>
+                      <a:gd name="connsiteX6" fmla="*/ 1210277 w 1762539"/>
+                      <a:gd name="connsiteY6" fmla="*/ 1179444 h 1179444"/>
+                      <a:gd name="connsiteX7" fmla="*/ 658015 w 1762539"/>
+                      <a:gd name="connsiteY7" fmla="*/ 1179444 h 1179444"/>
+                      <a:gd name="connsiteX8" fmla="*/ 0 w 1762539"/>
+                      <a:gd name="connsiteY8" fmla="*/ 1179444 h 1179444"/>
+                      <a:gd name="connsiteX9" fmla="*/ 0 w 1762539"/>
+                      <a:gd name="connsiteY9" fmla="*/ 625105 h 1179444"/>
+                      <a:gd name="connsiteX10" fmla="*/ 0 w 1762539"/>
+                      <a:gd name="connsiteY10" fmla="*/ 0 h 1179444"/>
+                    </a:gdLst>
+                    <a:ahLst/>
+                    <a:cxnLst>
+                      <a:cxn ang="0">
+                        <a:pos x="connsiteX0" y="connsiteY0"/>
+                      </a:cxn>
+                      <a:cxn ang="0">
+                        <a:pos x="connsiteX1" y="connsiteY1"/>
+                      </a:cxn>
+                      <a:cxn ang="0">
+                        <a:pos x="connsiteX2" y="connsiteY2"/>
+                      </a:cxn>
+                      <a:cxn ang="0">
+                        <a:pos x="connsiteX3" y="connsiteY3"/>
+                      </a:cxn>
+                      <a:cxn ang="0">
+                        <a:pos x="connsiteX4" y="connsiteY4"/>
+                      </a:cxn>
+                      <a:cxn ang="0">
+                        <a:pos x="connsiteX5" y="connsiteY5"/>
+                      </a:cxn>
+                      <a:cxn ang="0">
+                        <a:pos x="connsiteX6" y="connsiteY6"/>
+                      </a:cxn>
+                      <a:cxn ang="0">
+                        <a:pos x="connsiteX7" y="connsiteY7"/>
+                      </a:cxn>
+                      <a:cxn ang="0">
+                        <a:pos x="connsiteX8" y="connsiteY8"/>
+                      </a:cxn>
+                      <a:cxn ang="0">
+                        <a:pos x="connsiteX9" y="connsiteY9"/>
+                      </a:cxn>
+                      <a:cxn ang="0">
+                        <a:pos x="connsiteX10" y="connsiteY10"/>
+                      </a:cxn>
+                    </a:cxnLst>
+                    <a:rect l="l" t="t" r="r" b="b"/>
+                    <a:pathLst>
+                      <a:path w="1762539" h="1179444" extrusionOk="0">
+                        <a:moveTo>
+                          <a:pt x="0" y="0"/>
+                        </a:moveTo>
+                        <a:cubicBezTo>
+                          <a:pt x="142537" y="-58560"/>
+                          <a:pt x="424515" y="2827"/>
+                          <a:pt x="569888" y="0"/>
+                        </a:cubicBezTo>
+                        <a:cubicBezTo>
+                          <a:pt x="715261" y="-2827"/>
+                          <a:pt x="921988" y="40378"/>
+                          <a:pt x="1104524" y="0"/>
+                        </a:cubicBezTo>
+                        <a:cubicBezTo>
+                          <a:pt x="1287060" y="-40378"/>
+                          <a:pt x="1466685" y="76792"/>
+                          <a:pt x="1762539" y="0"/>
+                        </a:cubicBezTo>
+                        <a:cubicBezTo>
+                          <a:pt x="1822187" y="217155"/>
+                          <a:pt x="1722498" y="447933"/>
+                          <a:pt x="1762539" y="577928"/>
+                        </a:cubicBezTo>
+                        <a:cubicBezTo>
+                          <a:pt x="1802580" y="707923"/>
+                          <a:pt x="1690576" y="1049712"/>
+                          <a:pt x="1762539" y="1179444"/>
+                        </a:cubicBezTo>
+                        <a:cubicBezTo>
+                          <a:pt x="1539881" y="1192486"/>
+                          <a:pt x="1377429" y="1141117"/>
+                          <a:pt x="1210277" y="1179444"/>
+                        </a:cubicBezTo>
+                        <a:cubicBezTo>
+                          <a:pt x="1043125" y="1217771"/>
+                          <a:pt x="933825" y="1116395"/>
+                          <a:pt x="658015" y="1179444"/>
+                        </a:cubicBezTo>
+                        <a:cubicBezTo>
+                          <a:pt x="382205" y="1242493"/>
+                          <a:pt x="191730" y="1137945"/>
+                          <a:pt x="0" y="1179444"/>
+                        </a:cubicBezTo>
+                        <a:cubicBezTo>
+                          <a:pt x="-13009" y="990067"/>
+                          <a:pt x="64545" y="747068"/>
+                          <a:pt x="0" y="625105"/>
+                        </a:cubicBezTo>
+                        <a:cubicBezTo>
+                          <a:pt x="-64545" y="503142"/>
+                          <a:pt x="36278" y="204572"/>
+                          <a:pt x="0" y="0"/>
+                        </a:cubicBezTo>
+                        <a:close/>
+                      </a:path>
+                    </a:pathLst>
+                  </a:custGeom>
+                  <ask:type>
+                    <ask:lineSketchNone/>
+                  </ask:type>
+                </ask:lineSketchStyleProps>
+              </a:ext>
+            </a:extLst>
+          </a:ln>
+        </p:spPr>
+        <p:style>
+          <a:lnRef idx="2">
+            <a:schemeClr val="accent1">
+              <a:shade val="50000"/>
+            </a:schemeClr>
+          </a:lnRef>
+          <a:fillRef idx="1">
+            <a:schemeClr val="accent1"/>
+          </a:fillRef>
+          <a:effectRef idx="0">
+            <a:schemeClr val="accent1"/>
+          </a:effectRef>
+          <a:fontRef idx="minor">
+            <a:schemeClr val="lt1"/>
+          </a:fontRef>
+        </p:style>
+        <p:txBody>
+          <a:bodyPr rtlCol="0" anchor="ctr"/>
+          <a:lstStyle/>
+          <a:p>
+            <a:pPr algn="ctr"/>
+            <a:r>
+              <a:rPr kumimoji="1" lang="en-US" altLang="ko-Kore-KR" dirty="0">
+                <a:solidFill>
+                  <a:schemeClr val="tx1"/>
+                </a:solidFill>
+              </a:rPr>
+              <a:t>Combat</a:t>
+            </a:r>
+            <a:endParaRPr kumimoji="1" lang="ko-Kore-KR" altLang="en-US" dirty="0">
+              <a:solidFill>
+                <a:schemeClr val="tx1"/>
+              </a:solidFill>
+            </a:endParaRPr>
+          </a:p>
+        </p:txBody>
+      </p:sp>
+      <p:cxnSp>
+        <p:nvCxnSpPr>
+          <p:cNvPr id="7" name="구부러진 연결선[U] 6">
+            <a:extLst>
+              <a:ext uri="{FF2B5EF4-FFF2-40B4-BE49-F238E27FC236}">
+                <a16:creationId xmlns:a16="http://schemas.microsoft.com/office/drawing/2014/main" id="{432E0E13-8613-B74B-82BB-AF8EEE6245C5}"/>
+              </a:ext>
+            </a:extLst>
+          </p:cNvPr>
+          <p:cNvCxnSpPr>
+            <a:stCxn id="5" idx="0"/>
+            <a:endCxn id="11" idx="0"/>
+          </p:cNvCxnSpPr>
+          <p:nvPr/>
+        </p:nvCxnSpPr>
+        <p:spPr>
+          <a:xfrm rot="5400000" flipH="1" flipV="1">
+            <a:off x="4181199" y="1421158"/>
+            <a:ext cx="12700" cy="2836241"/>
+          </a:xfrm>
+          <a:prstGeom prst="curvedConnector3">
+            <a:avLst>
+              <a:gd name="adj1" fmla="val 5300000"/>
+            </a:avLst>
+          </a:prstGeom>
+          <a:ln w="38100">
+            <a:tailEnd type="triangle"/>
+          </a:ln>
+        </p:spPr>
+        <p:style>
+          <a:lnRef idx="1">
+            <a:schemeClr val="accent1"/>
+          </a:lnRef>
+          <a:fillRef idx="0">
+            <a:schemeClr val="accent1"/>
+          </a:fillRef>
+          <a:effectRef idx="0">
+            <a:schemeClr val="accent1"/>
+          </a:effectRef>
+          <a:fontRef idx="minor">
+            <a:schemeClr val="tx1"/>
+          </a:fontRef>
+        </p:style>
+      </p:cxnSp>
+      <p:cxnSp>
+        <p:nvCxnSpPr>
+          <p:cNvPr id="19" name="구부러진 연결선[U] 18">
+            <a:extLst>
+              <a:ext uri="{FF2B5EF4-FFF2-40B4-BE49-F238E27FC236}">
+                <a16:creationId xmlns:a16="http://schemas.microsoft.com/office/drawing/2014/main" id="{66C5DCD7-70DC-2840-B5A1-4B0C40C642BF}"/>
+              </a:ext>
+            </a:extLst>
+          </p:cNvPr>
+          <p:cNvCxnSpPr>
+            <a:cxnSpLocks/>
+            <a:stCxn id="11" idx="2"/>
+            <a:endCxn id="5" idx="2"/>
+          </p:cNvCxnSpPr>
+          <p:nvPr/>
+        </p:nvCxnSpPr>
+        <p:spPr>
+          <a:xfrm rot="5400000">
+            <a:off x="4181200" y="2600602"/>
+            <a:ext cx="12700" cy="2836241"/>
+          </a:xfrm>
+          <a:prstGeom prst="curvedConnector3">
+            <a:avLst>
+              <a:gd name="adj1" fmla="val 5800016"/>
+            </a:avLst>
+          </a:prstGeom>
+          <a:ln w="38100">
+            <a:tailEnd type="triangle"/>
+          </a:ln>
+        </p:spPr>
+        <p:style>
+          <a:lnRef idx="1">
+            <a:schemeClr val="accent1"/>
+          </a:lnRef>
+          <a:fillRef idx="0">
+            <a:schemeClr val="accent1"/>
+          </a:fillRef>
+          <a:effectRef idx="0">
+            <a:schemeClr val="accent1"/>
+          </a:effectRef>
+          <a:fontRef idx="minor">
+            <a:schemeClr val="tx1"/>
+          </a:fontRef>
+        </p:style>
+      </p:cxnSp>
+      <p:pic>
+        <p:nvPicPr>
+          <p:cNvPr id="17" name="그림 16">
+            <a:extLst>
+              <a:ext uri="{FF2B5EF4-FFF2-40B4-BE49-F238E27FC236}">
+                <a16:creationId xmlns:a16="http://schemas.microsoft.com/office/drawing/2014/main" id="{332F02D1-2E7B-A741-9124-9F6CDFD76AAA}"/>
+              </a:ext>
+            </a:extLst>
+          </p:cNvPr>
+          <p:cNvPicPr>
+            <a:picLocks noChangeAspect="1"/>
+          </p:cNvPicPr>
+          <p:nvPr/>
+        </p:nvPicPr>
+        <p:blipFill>
+          <a:blip r:embed="rId2"/>
+          <a:stretch>
+            <a:fillRect/>
+          </a:stretch>
+        </p:blipFill>
+        <p:spPr>
+          <a:xfrm>
+            <a:off x="797154" y="713984"/>
+            <a:ext cx="11004091" cy="6858000"/>
+          </a:xfrm>
+          <a:prstGeom prst="rect">
+            <a:avLst/>
+          </a:prstGeom>
+        </p:spPr>
+      </p:pic>
+    </p:spTree>
+    <p:extLst>
+      <p:ext uri="{BB962C8B-B14F-4D97-AF65-F5344CB8AC3E}">
+        <p14:creationId xmlns:p14="http://schemas.microsoft.com/office/powerpoint/2010/main" val="1404478301"/>
+      </p:ext>
+    </p:extLst>
+  </p:cSld>
+  <p:clrMapOvr>
+    <a:masterClrMapping/>
+  </p:clrMapOvr>
+</p:sld>
+</file>
+
+<file path=ppt/slides/slide5.xml><?xml version="1.0" encoding="utf-8"?>
+<p:sld xmlns:a="http://schemas.openxmlformats.org/drawingml/2006/main" xmlns:r="http://schemas.openxmlformats.org/officeDocument/2006/relationships" xmlns:p="http://schemas.openxmlformats.org/presentationml/2006/main">
+  <p:cSld>
+    <p:spTree>
+      <p:nvGrpSpPr>
+        <p:cNvPr id="1" name=""/>
+        <p:cNvGrpSpPr/>
+        <p:nvPr/>
+      </p:nvGrpSpPr>
+      <p:grpSpPr>
+        <a:xfrm>
+          <a:off x="0" y="0"/>
+          <a:ext cx="0" cy="0"/>
+          <a:chOff x="0" y="0"/>
+          <a:chExt cx="0" cy="0"/>
+        </a:xfrm>
+      </p:grpSpPr>
+      <p:sp>
+        <p:nvSpPr>
+          <p:cNvPr id="2" name="제목 1">
+            <a:extLst>
+              <a:ext uri="{FF2B5EF4-FFF2-40B4-BE49-F238E27FC236}">
+                <a16:creationId xmlns:a16="http://schemas.microsoft.com/office/drawing/2014/main" id="{166B2373-4454-1343-AF68-EDA7FCAE0EA7}"/>
+              </a:ext>
+            </a:extLst>
+          </p:cNvPr>
+          <p:cNvSpPr>
+            <a:spLocks noGrp="1"/>
+          </p:cNvSpPr>
+          <p:nvPr>
+            <p:ph type="ctrTitle"/>
+          </p:nvPr>
+        </p:nvSpPr>
+        <p:spPr>
+          <a:xfrm>
+            <a:off x="171189" y="212941"/>
+            <a:ext cx="4798376" cy="501043"/>
+          </a:xfrm>
+        </p:spPr>
+        <p:txBody>
+          <a:bodyPr>
+            <a:noAutofit/>
+          </a:bodyPr>
+          <a:lstStyle/>
+          <a:p>
+            <a:r>
+              <a:rPr kumimoji="1" lang="en-US" altLang="ko-KR" sz="2800" dirty="0"/>
+              <a:t>3</a:t>
+            </a:r>
+            <a:r>
+              <a:rPr kumimoji="1" lang="ko-KR" altLang="en-US" sz="2800" dirty="0"/>
+              <a:t> </a:t>
+            </a:r>
+            <a:r>
+              <a:rPr kumimoji="1" lang="en-US" altLang="ko-KR" sz="2800" dirty="0"/>
+              <a:t>Unity Circular Dependency</a:t>
+            </a:r>
+            <a:endParaRPr kumimoji="1" lang="ko-Kore-KR" altLang="en-US" sz="2800" dirty="0"/>
+          </a:p>
+        </p:txBody>
+      </p:sp>
+      <p:sp>
+        <p:nvSpPr>
+          <p:cNvPr id="5" name="직사각형 4">
+            <a:extLst>
+              <a:ext uri="{FF2B5EF4-FFF2-40B4-BE49-F238E27FC236}">
+                <a16:creationId xmlns:a16="http://schemas.microsoft.com/office/drawing/2014/main" id="{802D15D2-E84C-C54B-8F82-28F73084FA82}"/>
+              </a:ext>
+            </a:extLst>
+          </p:cNvPr>
+          <p:cNvSpPr/>
+          <p:nvPr/>
+        </p:nvSpPr>
+        <p:spPr>
+          <a:xfrm>
+            <a:off x="1881809" y="2839278"/>
+            <a:ext cx="1762539" cy="1179444"/>
+          </a:xfrm>
+          <a:prstGeom prst="rect">
+            <a:avLst/>
+          </a:prstGeom>
+          <a:noFill/>
+          <a:ln w="38100">
+            <a:extLst>
+              <a:ext uri="{C807C97D-BFC1-408E-A445-0C87EB9F89A2}">
+                <ask:lineSketchStyleProps xmlns:ask="http://schemas.microsoft.com/office/drawing/2018/sketchyshapes" sd="1219033472">
+                  <a:custGeom>
+                    <a:avLst/>
+                    <a:gdLst>
+                      <a:gd name="connsiteX0" fmla="*/ 0 w 1762539"/>
+                      <a:gd name="connsiteY0" fmla="*/ 0 h 1179444"/>
+                      <a:gd name="connsiteX1" fmla="*/ 569888 w 1762539"/>
+                      <a:gd name="connsiteY1" fmla="*/ 0 h 1179444"/>
+                      <a:gd name="connsiteX2" fmla="*/ 1104524 w 1762539"/>
+                      <a:gd name="connsiteY2" fmla="*/ 0 h 1179444"/>
+                      <a:gd name="connsiteX3" fmla="*/ 1762539 w 1762539"/>
+                      <a:gd name="connsiteY3" fmla="*/ 0 h 1179444"/>
+                      <a:gd name="connsiteX4" fmla="*/ 1762539 w 1762539"/>
+                      <a:gd name="connsiteY4" fmla="*/ 577928 h 1179444"/>
+                      <a:gd name="connsiteX5" fmla="*/ 1762539 w 1762539"/>
+                      <a:gd name="connsiteY5" fmla="*/ 1179444 h 1179444"/>
+                      <a:gd name="connsiteX6" fmla="*/ 1210277 w 1762539"/>
+                      <a:gd name="connsiteY6" fmla="*/ 1179444 h 1179444"/>
+                      <a:gd name="connsiteX7" fmla="*/ 658015 w 1762539"/>
+                      <a:gd name="connsiteY7" fmla="*/ 1179444 h 1179444"/>
+                      <a:gd name="connsiteX8" fmla="*/ 0 w 1762539"/>
+                      <a:gd name="connsiteY8" fmla="*/ 1179444 h 1179444"/>
+                      <a:gd name="connsiteX9" fmla="*/ 0 w 1762539"/>
+                      <a:gd name="connsiteY9" fmla="*/ 625105 h 1179444"/>
+                      <a:gd name="connsiteX10" fmla="*/ 0 w 1762539"/>
+                      <a:gd name="connsiteY10" fmla="*/ 0 h 1179444"/>
+                    </a:gdLst>
+                    <a:ahLst/>
+                    <a:cxnLst>
+                      <a:cxn ang="0">
+                        <a:pos x="connsiteX0" y="connsiteY0"/>
+                      </a:cxn>
+                      <a:cxn ang="0">
+                        <a:pos x="connsiteX1" y="connsiteY1"/>
+                      </a:cxn>
+                      <a:cxn ang="0">
+                        <a:pos x="connsiteX2" y="connsiteY2"/>
+                      </a:cxn>
+                      <a:cxn ang="0">
+                        <a:pos x="connsiteX3" y="connsiteY3"/>
+                      </a:cxn>
+                      <a:cxn ang="0">
+                        <a:pos x="connsiteX4" y="connsiteY4"/>
+                      </a:cxn>
+                      <a:cxn ang="0">
+                        <a:pos x="connsiteX5" y="connsiteY5"/>
+                      </a:cxn>
+                      <a:cxn ang="0">
+                        <a:pos x="connsiteX6" y="connsiteY6"/>
+                      </a:cxn>
+                      <a:cxn ang="0">
+                        <a:pos x="connsiteX7" y="connsiteY7"/>
+                      </a:cxn>
+                      <a:cxn ang="0">
+                        <a:pos x="connsiteX8" y="connsiteY8"/>
+                      </a:cxn>
+                      <a:cxn ang="0">
+                        <a:pos x="connsiteX9" y="connsiteY9"/>
+                      </a:cxn>
+                      <a:cxn ang="0">
+                        <a:pos x="connsiteX10" y="connsiteY10"/>
+                      </a:cxn>
+                    </a:cxnLst>
+                    <a:rect l="l" t="t" r="r" b="b"/>
+                    <a:pathLst>
+                      <a:path w="1762539" h="1179444" extrusionOk="0">
+                        <a:moveTo>
+                          <a:pt x="0" y="0"/>
+                        </a:moveTo>
+                        <a:cubicBezTo>
+                          <a:pt x="142537" y="-58560"/>
+                          <a:pt x="424515" y="2827"/>
+                          <a:pt x="569888" y="0"/>
+                        </a:cubicBezTo>
+                        <a:cubicBezTo>
+                          <a:pt x="715261" y="-2827"/>
+                          <a:pt x="921988" y="40378"/>
+                          <a:pt x="1104524" y="0"/>
+                        </a:cubicBezTo>
+                        <a:cubicBezTo>
+                          <a:pt x="1287060" y="-40378"/>
+                          <a:pt x="1466685" y="76792"/>
+                          <a:pt x="1762539" y="0"/>
+                        </a:cubicBezTo>
+                        <a:cubicBezTo>
+                          <a:pt x="1822187" y="217155"/>
+                          <a:pt x="1722498" y="447933"/>
+                          <a:pt x="1762539" y="577928"/>
+                        </a:cubicBezTo>
+                        <a:cubicBezTo>
+                          <a:pt x="1802580" y="707923"/>
+                          <a:pt x="1690576" y="1049712"/>
+                          <a:pt x="1762539" y="1179444"/>
+                        </a:cubicBezTo>
+                        <a:cubicBezTo>
+                          <a:pt x="1539881" y="1192486"/>
+                          <a:pt x="1377429" y="1141117"/>
+                          <a:pt x="1210277" y="1179444"/>
+                        </a:cubicBezTo>
+                        <a:cubicBezTo>
+                          <a:pt x="1043125" y="1217771"/>
+                          <a:pt x="933825" y="1116395"/>
+                          <a:pt x="658015" y="1179444"/>
+                        </a:cubicBezTo>
+                        <a:cubicBezTo>
+                          <a:pt x="382205" y="1242493"/>
+                          <a:pt x="191730" y="1137945"/>
+                          <a:pt x="0" y="1179444"/>
+                        </a:cubicBezTo>
+                        <a:cubicBezTo>
+                          <a:pt x="-13009" y="990067"/>
+                          <a:pt x="64545" y="747068"/>
+                          <a:pt x="0" y="625105"/>
+                        </a:cubicBezTo>
+                        <a:cubicBezTo>
+                          <a:pt x="-64545" y="503142"/>
+                          <a:pt x="36278" y="204572"/>
+                          <a:pt x="0" y="0"/>
+                        </a:cubicBezTo>
+                        <a:close/>
+                      </a:path>
+                    </a:pathLst>
+                  </a:custGeom>
+                  <ask:type>
+                    <ask:lineSketchNone/>
+                  </ask:type>
+                </ask:lineSketchStyleProps>
+              </a:ext>
+            </a:extLst>
+          </a:ln>
+        </p:spPr>
+        <p:style>
+          <a:lnRef idx="2">
+            <a:schemeClr val="accent1">
+              <a:shade val="50000"/>
+            </a:schemeClr>
+          </a:lnRef>
+          <a:fillRef idx="1">
+            <a:schemeClr val="accent1"/>
+          </a:fillRef>
+          <a:effectRef idx="0">
+            <a:schemeClr val="accent1"/>
+          </a:effectRef>
+          <a:fontRef idx="minor">
+            <a:schemeClr val="lt1"/>
+          </a:fontRef>
+        </p:style>
+        <p:txBody>
+          <a:bodyPr rtlCol="0" anchor="ctr"/>
+          <a:lstStyle/>
+          <a:p>
+            <a:pPr algn="ctr"/>
+            <a:r>
+              <a:rPr kumimoji="1" lang="en-US" altLang="ko-Kore-KR" dirty="0">
+                <a:solidFill>
+                  <a:schemeClr val="tx1"/>
+                </a:solidFill>
+              </a:rPr>
+              <a:t>Movement</a:t>
+            </a:r>
+            <a:endParaRPr kumimoji="1" lang="ko-Kore-KR" altLang="en-US" dirty="0">
+              <a:solidFill>
+                <a:schemeClr val="tx1"/>
+              </a:solidFill>
+            </a:endParaRPr>
+          </a:p>
+        </p:txBody>
+      </p:sp>
+      <p:sp>
+        <p:nvSpPr>
+          <p:cNvPr id="11" name="직사각형 10">
+            <a:extLst>
+              <a:ext uri="{FF2B5EF4-FFF2-40B4-BE49-F238E27FC236}">
+                <a16:creationId xmlns:a16="http://schemas.microsoft.com/office/drawing/2014/main" id="{9BCE27F4-982B-1949-A9B9-6DAAB6A47ECC}"/>
+              </a:ext>
+            </a:extLst>
+          </p:cNvPr>
+          <p:cNvSpPr/>
+          <p:nvPr/>
+        </p:nvSpPr>
+        <p:spPr>
+          <a:xfrm>
+            <a:off x="4718050" y="2839278"/>
+            <a:ext cx="1762539" cy="1179444"/>
+          </a:xfrm>
+          <a:prstGeom prst="rect">
+            <a:avLst/>
+          </a:prstGeom>
+          <a:noFill/>
+          <a:ln w="38100">
+            <a:extLst>
+              <a:ext uri="{C807C97D-BFC1-408E-A445-0C87EB9F89A2}">
+                <ask:lineSketchStyleProps xmlns:ask="http://schemas.microsoft.com/office/drawing/2018/sketchyshapes" sd="1219033472">
+                  <a:custGeom>
+                    <a:avLst/>
+                    <a:gdLst>
+                      <a:gd name="connsiteX0" fmla="*/ 0 w 1762539"/>
+                      <a:gd name="connsiteY0" fmla="*/ 0 h 1179444"/>
+                      <a:gd name="connsiteX1" fmla="*/ 569888 w 1762539"/>
+                      <a:gd name="connsiteY1" fmla="*/ 0 h 1179444"/>
+                      <a:gd name="connsiteX2" fmla="*/ 1104524 w 1762539"/>
+                      <a:gd name="connsiteY2" fmla="*/ 0 h 1179444"/>
+                      <a:gd name="connsiteX3" fmla="*/ 1762539 w 1762539"/>
+                      <a:gd name="connsiteY3" fmla="*/ 0 h 1179444"/>
+                      <a:gd name="connsiteX4" fmla="*/ 1762539 w 1762539"/>
+                      <a:gd name="connsiteY4" fmla="*/ 577928 h 1179444"/>
+                      <a:gd name="connsiteX5" fmla="*/ 1762539 w 1762539"/>
+                      <a:gd name="connsiteY5" fmla="*/ 1179444 h 1179444"/>
+                      <a:gd name="connsiteX6" fmla="*/ 1210277 w 1762539"/>
+                      <a:gd name="connsiteY6" fmla="*/ 1179444 h 1179444"/>
+                      <a:gd name="connsiteX7" fmla="*/ 658015 w 1762539"/>
+                      <a:gd name="connsiteY7" fmla="*/ 1179444 h 1179444"/>
+                      <a:gd name="connsiteX8" fmla="*/ 0 w 1762539"/>
+                      <a:gd name="connsiteY8" fmla="*/ 1179444 h 1179444"/>
+                      <a:gd name="connsiteX9" fmla="*/ 0 w 1762539"/>
+                      <a:gd name="connsiteY9" fmla="*/ 625105 h 1179444"/>
+                      <a:gd name="connsiteX10" fmla="*/ 0 w 1762539"/>
+                      <a:gd name="connsiteY10" fmla="*/ 0 h 1179444"/>
+                    </a:gdLst>
+                    <a:ahLst/>
+                    <a:cxnLst>
+                      <a:cxn ang="0">
+                        <a:pos x="connsiteX0" y="connsiteY0"/>
+                      </a:cxn>
+                      <a:cxn ang="0">
+                        <a:pos x="connsiteX1" y="connsiteY1"/>
+                      </a:cxn>
+                      <a:cxn ang="0">
+                        <a:pos x="connsiteX2" y="connsiteY2"/>
+                      </a:cxn>
+                      <a:cxn ang="0">
+                        <a:pos x="connsiteX3" y="connsiteY3"/>
+                      </a:cxn>
+                      <a:cxn ang="0">
+                        <a:pos x="connsiteX4" y="connsiteY4"/>
+                      </a:cxn>
+                      <a:cxn ang="0">
+                        <a:pos x="connsiteX5" y="connsiteY5"/>
+                      </a:cxn>
+                      <a:cxn ang="0">
+                        <a:pos x="connsiteX6" y="connsiteY6"/>
+                      </a:cxn>
+                      <a:cxn ang="0">
+                        <a:pos x="connsiteX7" y="connsiteY7"/>
+                      </a:cxn>
+                      <a:cxn ang="0">
+                        <a:pos x="connsiteX8" y="connsiteY8"/>
+                      </a:cxn>
+                      <a:cxn ang="0">
+                        <a:pos x="connsiteX9" y="connsiteY9"/>
+                      </a:cxn>
+                      <a:cxn ang="0">
+                        <a:pos x="connsiteX10" y="connsiteY10"/>
+                      </a:cxn>
+                    </a:cxnLst>
+                    <a:rect l="l" t="t" r="r" b="b"/>
+                    <a:pathLst>
+                      <a:path w="1762539" h="1179444" extrusionOk="0">
+                        <a:moveTo>
+                          <a:pt x="0" y="0"/>
+                        </a:moveTo>
+                        <a:cubicBezTo>
+                          <a:pt x="142537" y="-58560"/>
+                          <a:pt x="424515" y="2827"/>
+                          <a:pt x="569888" y="0"/>
+                        </a:cubicBezTo>
+                        <a:cubicBezTo>
+                          <a:pt x="715261" y="-2827"/>
+                          <a:pt x="921988" y="40378"/>
+                          <a:pt x="1104524" y="0"/>
+                        </a:cubicBezTo>
+                        <a:cubicBezTo>
+                          <a:pt x="1287060" y="-40378"/>
+                          <a:pt x="1466685" y="76792"/>
+                          <a:pt x="1762539" y="0"/>
+                        </a:cubicBezTo>
+                        <a:cubicBezTo>
+                          <a:pt x="1822187" y="217155"/>
+                          <a:pt x="1722498" y="447933"/>
+                          <a:pt x="1762539" y="577928"/>
+                        </a:cubicBezTo>
+                        <a:cubicBezTo>
+                          <a:pt x="1802580" y="707923"/>
+                          <a:pt x="1690576" y="1049712"/>
+                          <a:pt x="1762539" y="1179444"/>
+                        </a:cubicBezTo>
+                        <a:cubicBezTo>
+                          <a:pt x="1539881" y="1192486"/>
+                          <a:pt x="1377429" y="1141117"/>
+                          <a:pt x="1210277" y="1179444"/>
+                        </a:cubicBezTo>
+                        <a:cubicBezTo>
+                          <a:pt x="1043125" y="1217771"/>
+                          <a:pt x="933825" y="1116395"/>
+                          <a:pt x="658015" y="1179444"/>
+                        </a:cubicBezTo>
+                        <a:cubicBezTo>
+                          <a:pt x="382205" y="1242493"/>
+                          <a:pt x="191730" y="1137945"/>
+                          <a:pt x="0" y="1179444"/>
+                        </a:cubicBezTo>
+                        <a:cubicBezTo>
+                          <a:pt x="-13009" y="990067"/>
+                          <a:pt x="64545" y="747068"/>
+                          <a:pt x="0" y="625105"/>
+                        </a:cubicBezTo>
+                        <a:cubicBezTo>
+                          <a:pt x="-64545" y="503142"/>
+                          <a:pt x="36278" y="204572"/>
+                          <a:pt x="0" y="0"/>
+                        </a:cubicBezTo>
+                        <a:close/>
+                      </a:path>
+                    </a:pathLst>
+                  </a:custGeom>
+                  <ask:type>
+                    <ask:lineSketchNone/>
+                  </ask:type>
+                </ask:lineSketchStyleProps>
+              </a:ext>
+            </a:extLst>
+          </a:ln>
+        </p:spPr>
+        <p:style>
+          <a:lnRef idx="2">
+            <a:schemeClr val="accent1">
+              <a:shade val="50000"/>
+            </a:schemeClr>
+          </a:lnRef>
+          <a:fillRef idx="1">
+            <a:schemeClr val="accent1"/>
+          </a:fillRef>
+          <a:effectRef idx="0">
+            <a:schemeClr val="accent1"/>
+          </a:effectRef>
+          <a:fontRef idx="minor">
+            <a:schemeClr val="lt1"/>
+          </a:fontRef>
+        </p:style>
+        <p:txBody>
+          <a:bodyPr rtlCol="0" anchor="ctr"/>
+          <a:lstStyle/>
+          <a:p>
+            <a:pPr algn="ctr"/>
+            <a:r>
+              <a:rPr kumimoji="1" lang="en-US" altLang="ko-Kore-KR" dirty="0">
+                <a:solidFill>
+                  <a:schemeClr val="tx1"/>
+                </a:solidFill>
+              </a:rPr>
+              <a:t>Combat</a:t>
+            </a:r>
+            <a:endParaRPr kumimoji="1" lang="ko-Kore-KR" altLang="en-US" dirty="0">
+              <a:solidFill>
+                <a:schemeClr val="tx1"/>
+              </a:solidFill>
+            </a:endParaRPr>
+          </a:p>
+        </p:txBody>
+      </p:sp>
+      <p:cxnSp>
+        <p:nvCxnSpPr>
+          <p:cNvPr id="7" name="구부러진 연결선[U] 6">
+            <a:extLst>
+              <a:ext uri="{FF2B5EF4-FFF2-40B4-BE49-F238E27FC236}">
+                <a16:creationId xmlns:a16="http://schemas.microsoft.com/office/drawing/2014/main" id="{432E0E13-8613-B74B-82BB-AF8EEE6245C5}"/>
+              </a:ext>
+            </a:extLst>
+          </p:cNvPr>
+          <p:cNvCxnSpPr>
+            <a:stCxn id="5" idx="0"/>
+            <a:endCxn id="11" idx="0"/>
+          </p:cNvCxnSpPr>
+          <p:nvPr/>
+        </p:nvCxnSpPr>
+        <p:spPr>
+          <a:xfrm rot="5400000" flipH="1" flipV="1">
+            <a:off x="4181199" y="1421158"/>
+            <a:ext cx="12700" cy="2836241"/>
+          </a:xfrm>
+          <a:prstGeom prst="curvedConnector3">
+            <a:avLst>
+              <a:gd name="adj1" fmla="val 5300000"/>
+            </a:avLst>
+          </a:prstGeom>
+          <a:ln w="38100">
+            <a:tailEnd type="triangle"/>
+          </a:ln>
+        </p:spPr>
+        <p:style>
+          <a:lnRef idx="1">
+            <a:schemeClr val="accent1"/>
+          </a:lnRef>
+          <a:fillRef idx="0">
+            <a:schemeClr val="accent1"/>
+          </a:fillRef>
+          <a:effectRef idx="0">
+            <a:schemeClr val="accent1"/>
+          </a:effectRef>
+          <a:fontRef idx="minor">
+            <a:schemeClr val="tx1"/>
+          </a:fontRef>
+        </p:style>
+      </p:cxnSp>
+      <p:cxnSp>
+        <p:nvCxnSpPr>
+          <p:cNvPr id="19" name="구부러진 연결선[U] 18">
+            <a:extLst>
+              <a:ext uri="{FF2B5EF4-FFF2-40B4-BE49-F238E27FC236}">
+                <a16:creationId xmlns:a16="http://schemas.microsoft.com/office/drawing/2014/main" id="{66C5DCD7-70DC-2840-B5A1-4B0C40C642BF}"/>
+              </a:ext>
+            </a:extLst>
+          </p:cNvPr>
+          <p:cNvCxnSpPr>
+            <a:cxnSpLocks/>
+            <a:stCxn id="11" idx="2"/>
+            <a:endCxn id="5" idx="2"/>
+          </p:cNvCxnSpPr>
+          <p:nvPr/>
+        </p:nvCxnSpPr>
+        <p:spPr>
+          <a:xfrm rot="5400000">
+            <a:off x="4181200" y="2600602"/>
+            <a:ext cx="12700" cy="2836241"/>
+          </a:xfrm>
+          <a:prstGeom prst="curvedConnector3">
+            <a:avLst>
+              <a:gd name="adj1" fmla="val 5800016"/>
+            </a:avLst>
+          </a:prstGeom>
+          <a:ln w="38100">
+            <a:tailEnd type="triangle"/>
+          </a:ln>
+        </p:spPr>
+        <p:style>
+          <a:lnRef idx="1">
+            <a:schemeClr val="accent1"/>
+          </a:lnRef>
+          <a:fillRef idx="0">
+            <a:schemeClr val="accent1"/>
+          </a:fillRef>
+          <a:effectRef idx="0">
+            <a:schemeClr val="accent1"/>
+          </a:effectRef>
+          <a:fontRef idx="minor">
+            <a:schemeClr val="tx1"/>
+          </a:fontRef>
+        </p:style>
+      </p:cxnSp>
+      <p:pic>
+        <p:nvPicPr>
+          <p:cNvPr id="17" name="그림 16">
+            <a:extLst>
+              <a:ext uri="{FF2B5EF4-FFF2-40B4-BE49-F238E27FC236}">
+                <a16:creationId xmlns:a16="http://schemas.microsoft.com/office/drawing/2014/main" id="{332F02D1-2E7B-A741-9124-9F6CDFD76AAA}"/>
+              </a:ext>
+            </a:extLst>
+          </p:cNvPr>
+          <p:cNvPicPr>
+            <a:picLocks noChangeAspect="1"/>
+          </p:cNvPicPr>
+          <p:nvPr/>
+        </p:nvPicPr>
+        <p:blipFill>
+          <a:blip r:embed="rId2"/>
+          <a:stretch>
+            <a:fillRect/>
+          </a:stretch>
+        </p:blipFill>
+        <p:spPr>
+          <a:xfrm>
+            <a:off x="797154" y="713984"/>
+            <a:ext cx="11004091" cy="6858000"/>
+          </a:xfrm>
+          <a:prstGeom prst="rect">
+            <a:avLst/>
+          </a:prstGeom>
+        </p:spPr>
+      </p:pic>
+    </p:spTree>
+    <p:extLst>
+      <p:ext uri="{BB962C8B-B14F-4D97-AF65-F5344CB8AC3E}">
+        <p14:creationId xmlns:p14="http://schemas.microsoft.com/office/powerpoint/2010/main" val="2254665922"/>
+      </p:ext>
+    </p:extLst>
+  </p:cSld>
+  <p:clrMapOvr>
+    <a:masterClrMapping/>
+  </p:clrMapOvr>
+</p:sld>
+</file>
+
 <file path=ppt/theme/theme1.xml><?xml version="1.0" encoding="utf-8"?>
 <a:theme xmlns:a="http://schemas.openxmlformats.org/drawingml/2006/main" name="Office 테마">
   <a:themeElements>

--- a/assets/asset.pptx
+++ b/assets/asset.pptx
@@ -10,6 +10,7 @@
     <p:sldId id="258" r:id="rId4"/>
     <p:sldId id="259" r:id="rId5"/>
     <p:sldId id="260" r:id="rId6"/>
+    <p:sldId id="261" r:id="rId7"/>
   </p:sldIdLst>
   <p:sldSz cx="12192000" cy="6858000"/>
   <p:notesSz cx="6858000" cy="9144000"/>
@@ -265,7 +266,7 @@
           <a:p>
             <a:fld id="{62F62857-B228-3A40-90DD-E9A7B26EE83A}" type="datetimeFigureOut">
               <a:rPr kumimoji="1" lang="ko-Kore-KR" altLang="en-US" smtClean="0"/>
-              <a:t>2022. 3. 5.</a:t>
+              <a:t>03/21/2022</a:t>
             </a:fld>
             <a:endParaRPr kumimoji="1" lang="ko-Kore-KR" altLang="en-US"/>
           </a:p>
@@ -465,7 +466,7 @@
           <a:p>
             <a:fld id="{62F62857-B228-3A40-90DD-E9A7B26EE83A}" type="datetimeFigureOut">
               <a:rPr kumimoji="1" lang="ko-Kore-KR" altLang="en-US" smtClean="0"/>
-              <a:t>2022. 3. 5.</a:t>
+              <a:t>03/21/2022</a:t>
             </a:fld>
             <a:endParaRPr kumimoji="1" lang="ko-Kore-KR" altLang="en-US"/>
           </a:p>
@@ -675,7 +676,7 @@
           <a:p>
             <a:fld id="{62F62857-B228-3A40-90DD-E9A7B26EE83A}" type="datetimeFigureOut">
               <a:rPr kumimoji="1" lang="ko-Kore-KR" altLang="en-US" smtClean="0"/>
-              <a:t>2022. 3. 5.</a:t>
+              <a:t>03/21/2022</a:t>
             </a:fld>
             <a:endParaRPr kumimoji="1" lang="ko-Kore-KR" altLang="en-US"/>
           </a:p>
@@ -875,7 +876,7 @@
           <a:p>
             <a:fld id="{62F62857-B228-3A40-90DD-E9A7B26EE83A}" type="datetimeFigureOut">
               <a:rPr kumimoji="1" lang="ko-Kore-KR" altLang="en-US" smtClean="0"/>
-              <a:t>2022. 3. 5.</a:t>
+              <a:t>03/21/2022</a:t>
             </a:fld>
             <a:endParaRPr kumimoji="1" lang="ko-Kore-KR" altLang="en-US"/>
           </a:p>
@@ -1151,7 +1152,7 @@
           <a:p>
             <a:fld id="{62F62857-B228-3A40-90DD-E9A7B26EE83A}" type="datetimeFigureOut">
               <a:rPr kumimoji="1" lang="ko-Kore-KR" altLang="en-US" smtClean="0"/>
-              <a:t>2022. 3. 5.</a:t>
+              <a:t>03/21/2022</a:t>
             </a:fld>
             <a:endParaRPr kumimoji="1" lang="ko-Kore-KR" altLang="en-US"/>
           </a:p>
@@ -1419,7 +1420,7 @@
           <a:p>
             <a:fld id="{62F62857-B228-3A40-90DD-E9A7B26EE83A}" type="datetimeFigureOut">
               <a:rPr kumimoji="1" lang="ko-Kore-KR" altLang="en-US" smtClean="0"/>
-              <a:t>2022. 3. 5.</a:t>
+              <a:t>03/21/2022</a:t>
             </a:fld>
             <a:endParaRPr kumimoji="1" lang="ko-Kore-KR" altLang="en-US"/>
           </a:p>
@@ -1834,7 +1835,7 @@
           <a:p>
             <a:fld id="{62F62857-B228-3A40-90DD-E9A7B26EE83A}" type="datetimeFigureOut">
               <a:rPr kumimoji="1" lang="ko-Kore-KR" altLang="en-US" smtClean="0"/>
-              <a:t>2022. 3. 5.</a:t>
+              <a:t>03/21/2022</a:t>
             </a:fld>
             <a:endParaRPr kumimoji="1" lang="ko-Kore-KR" altLang="en-US"/>
           </a:p>
@@ -1976,7 +1977,7 @@
           <a:p>
             <a:fld id="{62F62857-B228-3A40-90DD-E9A7B26EE83A}" type="datetimeFigureOut">
               <a:rPr kumimoji="1" lang="ko-Kore-KR" altLang="en-US" smtClean="0"/>
-              <a:t>2022. 3. 5.</a:t>
+              <a:t>03/21/2022</a:t>
             </a:fld>
             <a:endParaRPr kumimoji="1" lang="ko-Kore-KR" altLang="en-US"/>
           </a:p>
@@ -2089,7 +2090,7 @@
           <a:p>
             <a:fld id="{62F62857-B228-3A40-90DD-E9A7B26EE83A}" type="datetimeFigureOut">
               <a:rPr kumimoji="1" lang="ko-Kore-KR" altLang="en-US" smtClean="0"/>
-              <a:t>2022. 3. 5.</a:t>
+              <a:t>03/21/2022</a:t>
             </a:fld>
             <a:endParaRPr kumimoji="1" lang="ko-Kore-KR" altLang="en-US"/>
           </a:p>
@@ -2402,7 +2403,7 @@
           <a:p>
             <a:fld id="{62F62857-B228-3A40-90DD-E9A7B26EE83A}" type="datetimeFigureOut">
               <a:rPr kumimoji="1" lang="ko-Kore-KR" altLang="en-US" smtClean="0"/>
-              <a:t>2022. 3. 5.</a:t>
+              <a:t>03/21/2022</a:t>
             </a:fld>
             <a:endParaRPr kumimoji="1" lang="ko-Kore-KR" altLang="en-US"/>
           </a:p>
@@ -2691,7 +2692,7 @@
           <a:p>
             <a:fld id="{62F62857-B228-3A40-90DD-E9A7B26EE83A}" type="datetimeFigureOut">
               <a:rPr kumimoji="1" lang="ko-Kore-KR" altLang="en-US" smtClean="0"/>
-              <a:t>2022. 3. 5.</a:t>
+              <a:t>03/21/2022</a:t>
             </a:fld>
             <a:endParaRPr kumimoji="1" lang="ko-Kore-KR" altLang="en-US"/>
           </a:p>
@@ -2934,7 +2935,7 @@
           <a:p>
             <a:fld id="{62F62857-B228-3A40-90DD-E9A7B26EE83A}" type="datetimeFigureOut">
               <a:rPr kumimoji="1" lang="ko-Kore-KR" altLang="en-US" smtClean="0"/>
-              <a:t>2022. 3. 5.</a:t>
+              <a:t>03/21/2022</a:t>
             </a:fld>
             <a:endParaRPr kumimoji="1" lang="ko-Kore-KR" altLang="en-US"/>
           </a:p>
@@ -5991,6 +5992,373 @@
 </p:sld>
 </file>
 
+<file path=ppt/slides/slide6.xml><?xml version="1.0" encoding="utf-8"?>
+<p:sld xmlns:a="http://schemas.openxmlformats.org/drawingml/2006/main" xmlns:r="http://schemas.openxmlformats.org/officeDocument/2006/relationships" xmlns:p="http://schemas.openxmlformats.org/presentationml/2006/main">
+  <p:cSld>
+    <p:spTree>
+      <p:nvGrpSpPr>
+        <p:cNvPr id="1" name=""/>
+        <p:cNvGrpSpPr/>
+        <p:nvPr/>
+      </p:nvGrpSpPr>
+      <p:grpSpPr>
+        <a:xfrm>
+          <a:off x="0" y="0"/>
+          <a:ext cx="0" cy="0"/>
+          <a:chOff x="0" y="0"/>
+          <a:chExt cx="0" cy="0"/>
+        </a:xfrm>
+      </p:grpSpPr>
+      <p:grpSp>
+        <p:nvGrpSpPr>
+          <p:cNvPr id="37" name="그룹 36">
+            <a:extLst>
+              <a:ext uri="{FF2B5EF4-FFF2-40B4-BE49-F238E27FC236}">
+                <a16:creationId xmlns:a16="http://schemas.microsoft.com/office/drawing/2014/main" id="{396BFAA4-1E38-434B-B633-B6A015F9DECD}"/>
+              </a:ext>
+            </a:extLst>
+          </p:cNvPr>
+          <p:cNvGrpSpPr/>
+          <p:nvPr/>
+        </p:nvGrpSpPr>
+        <p:grpSpPr>
+          <a:xfrm>
+            <a:off x="5327308" y="2564205"/>
+            <a:ext cx="2432392" cy="2258644"/>
+            <a:chOff x="5327308" y="2564205"/>
+            <a:chExt cx="2432392" cy="2258644"/>
+          </a:xfrm>
+        </p:grpSpPr>
+        <p:cxnSp>
+          <p:nvCxnSpPr>
+            <p:cNvPr id="8" name="직선 화살표 연결선 7">
+              <a:extLst>
+                <a:ext uri="{FF2B5EF4-FFF2-40B4-BE49-F238E27FC236}">
+                  <a16:creationId xmlns:a16="http://schemas.microsoft.com/office/drawing/2014/main" id="{2F756FEC-11D1-43D1-9F91-C4CD584465FA}"/>
+                </a:ext>
+              </a:extLst>
+            </p:cNvPr>
+            <p:cNvCxnSpPr>
+              <a:cxnSpLocks/>
+            </p:cNvCxnSpPr>
+            <p:nvPr/>
+          </p:nvCxnSpPr>
+          <p:spPr>
+            <a:xfrm rot="1800000">
+              <a:off x="5327308" y="4582034"/>
+              <a:ext cx="1537378" cy="0"/>
+            </a:xfrm>
+            <a:prstGeom prst="straightConnector1">
+              <a:avLst/>
+            </a:prstGeom>
+            <a:ln w="57150">
+              <a:solidFill>
+                <a:schemeClr val="accent6"/>
+              </a:solidFill>
+              <a:tailEnd type="triangle"/>
+            </a:ln>
+          </p:spPr>
+          <p:style>
+            <a:lnRef idx="1">
+              <a:schemeClr val="accent1"/>
+            </a:lnRef>
+            <a:fillRef idx="0">
+              <a:schemeClr val="accent1"/>
+            </a:fillRef>
+            <a:effectRef idx="0">
+              <a:schemeClr val="accent1"/>
+            </a:effectRef>
+            <a:fontRef idx="minor">
+              <a:schemeClr val="tx1"/>
+            </a:fontRef>
+          </p:style>
+        </p:cxnSp>
+        <p:cxnSp>
+          <p:nvCxnSpPr>
+            <p:cNvPr id="14" name="직선 화살표 연결선 13">
+              <a:extLst>
+                <a:ext uri="{FF2B5EF4-FFF2-40B4-BE49-F238E27FC236}">
+                  <a16:creationId xmlns:a16="http://schemas.microsoft.com/office/drawing/2014/main" id="{1BFE078E-C169-4589-AEA1-637263BD4F3A}"/>
+                </a:ext>
+              </a:extLst>
+            </p:cNvPr>
+            <p:cNvCxnSpPr>
+              <a:cxnSpLocks/>
+            </p:cNvCxnSpPr>
+            <p:nvPr/>
+          </p:nvCxnSpPr>
+          <p:spPr>
+            <a:xfrm rot="-5400000">
+              <a:off x="4661603" y="3429000"/>
+              <a:ext cx="1537378" cy="0"/>
+            </a:xfrm>
+            <a:prstGeom prst="straightConnector1">
+              <a:avLst/>
+            </a:prstGeom>
+            <a:ln w="57150">
+              <a:solidFill>
+                <a:schemeClr val="accent5"/>
+              </a:solidFill>
+              <a:tailEnd type="triangle"/>
+            </a:ln>
+          </p:spPr>
+          <p:style>
+            <a:lnRef idx="1">
+              <a:schemeClr val="accent1"/>
+            </a:lnRef>
+            <a:fillRef idx="0">
+              <a:schemeClr val="accent1"/>
+            </a:fillRef>
+            <a:effectRef idx="0">
+              <a:schemeClr val="accent1"/>
+            </a:effectRef>
+            <a:fontRef idx="minor">
+              <a:schemeClr val="tx1"/>
+            </a:fontRef>
+          </p:style>
+        </p:cxnSp>
+        <p:cxnSp>
+          <p:nvCxnSpPr>
+            <p:cNvPr id="15" name="직선 화살표 연결선 14">
+              <a:extLst>
+                <a:ext uri="{FF2B5EF4-FFF2-40B4-BE49-F238E27FC236}">
+                  <a16:creationId xmlns:a16="http://schemas.microsoft.com/office/drawing/2014/main" id="{129EC361-4AFE-4461-93DA-2F2062E64C2E}"/>
+                </a:ext>
+              </a:extLst>
+            </p:cNvPr>
+            <p:cNvCxnSpPr>
+              <a:cxnSpLocks/>
+            </p:cNvCxnSpPr>
+            <p:nvPr/>
+          </p:nvCxnSpPr>
+          <p:spPr>
+            <a:xfrm rot="-1800000">
+              <a:off x="5327309" y="3813345"/>
+              <a:ext cx="1537378" cy="0"/>
+            </a:xfrm>
+            <a:prstGeom prst="straightConnector1">
+              <a:avLst/>
+            </a:prstGeom>
+            <a:ln w="57150">
+              <a:solidFill>
+                <a:srgbClr val="C00000"/>
+              </a:solidFill>
+              <a:tailEnd type="triangle"/>
+            </a:ln>
+          </p:spPr>
+          <p:style>
+            <a:lnRef idx="1">
+              <a:schemeClr val="accent1"/>
+            </a:lnRef>
+            <a:fillRef idx="0">
+              <a:schemeClr val="accent1"/>
+            </a:fillRef>
+            <a:effectRef idx="0">
+              <a:schemeClr val="accent1"/>
+            </a:effectRef>
+            <a:fontRef idx="minor">
+              <a:schemeClr val="tx1"/>
+            </a:fontRef>
+          </p:style>
+        </p:cxnSp>
+        <p:sp>
+          <p:nvSpPr>
+            <p:cNvPr id="33" name="타원 32">
+              <a:extLst>
+                <a:ext uri="{FF2B5EF4-FFF2-40B4-BE49-F238E27FC236}">
+                  <a16:creationId xmlns:a16="http://schemas.microsoft.com/office/drawing/2014/main" id="{BFB7EEBD-0D62-4632-85DF-C2583766CF5A}"/>
+                </a:ext>
+              </a:extLst>
+            </p:cNvPr>
+            <p:cNvSpPr/>
+            <p:nvPr/>
+          </p:nvSpPr>
+          <p:spPr>
+            <a:xfrm>
+              <a:off x="5340350" y="4095750"/>
+              <a:ext cx="190500" cy="190500"/>
+            </a:xfrm>
+            <a:prstGeom prst="ellipse">
+              <a:avLst/>
+            </a:prstGeom>
+            <a:solidFill>
+              <a:schemeClr val="bg1"/>
+            </a:solidFill>
+            <a:ln>
+              <a:noFill/>
+            </a:ln>
+          </p:spPr>
+          <p:style>
+            <a:lnRef idx="2">
+              <a:schemeClr val="accent1">
+                <a:shade val="50000"/>
+              </a:schemeClr>
+            </a:lnRef>
+            <a:fillRef idx="1">
+              <a:schemeClr val="accent1"/>
+            </a:fillRef>
+            <a:effectRef idx="0">
+              <a:schemeClr val="accent1"/>
+            </a:effectRef>
+            <a:fontRef idx="minor">
+              <a:schemeClr val="lt1"/>
+            </a:fontRef>
+          </p:style>
+          <p:txBody>
+            <a:bodyPr rtlCol="0" anchor="ctr"/>
+            <a:lstStyle/>
+            <a:p>
+              <a:pPr algn="ctr"/>
+              <a:endParaRPr lang="ko-KR" altLang="en-US"/>
+            </a:p>
+          </p:txBody>
+        </p:sp>
+        <p:sp>
+          <p:nvSpPr>
+            <p:cNvPr id="34" name="TextBox 33">
+              <a:extLst>
+                <a:ext uri="{FF2B5EF4-FFF2-40B4-BE49-F238E27FC236}">
+                  <a16:creationId xmlns:a16="http://schemas.microsoft.com/office/drawing/2014/main" id="{E1FA92AA-ADF8-409E-BA5A-0869BE7291FA}"/>
+                </a:ext>
+              </a:extLst>
+            </p:cNvPr>
+            <p:cNvSpPr txBox="1"/>
+            <p:nvPr/>
+          </p:nvSpPr>
+          <p:spPr>
+            <a:xfrm>
+              <a:off x="6711948" y="3444013"/>
+              <a:ext cx="1003301" cy="338554"/>
+            </a:xfrm>
+            <a:prstGeom prst="rect">
+              <a:avLst/>
+            </a:prstGeom>
+            <a:noFill/>
+          </p:spPr>
+          <p:txBody>
+            <a:bodyPr wrap="square" rtlCol="0">
+              <a:spAutoFit/>
+            </a:bodyPr>
+            <a:lstStyle/>
+            <a:p>
+              <a:r>
+                <a:rPr lang="en-US" altLang="ko-KR" sz="1600">
+                  <a:solidFill>
+                    <a:srgbClr val="C00000"/>
+                  </a:solidFill>
+                </a:rPr>
+                <a:t>X - Roll </a:t>
+              </a:r>
+              <a:endParaRPr lang="ko-KR" altLang="en-US" sz="1600">
+                <a:solidFill>
+                  <a:srgbClr val="C00000"/>
+                </a:solidFill>
+              </a:endParaRPr>
+            </a:p>
+          </p:txBody>
+        </p:sp>
+        <p:sp>
+          <p:nvSpPr>
+            <p:cNvPr id="35" name="TextBox 34">
+              <a:extLst>
+                <a:ext uri="{FF2B5EF4-FFF2-40B4-BE49-F238E27FC236}">
+                  <a16:creationId xmlns:a16="http://schemas.microsoft.com/office/drawing/2014/main" id="{B5C039DE-B328-480F-8971-96CB07C36935}"/>
+                </a:ext>
+              </a:extLst>
+            </p:cNvPr>
+            <p:cNvSpPr txBox="1"/>
+            <p:nvPr/>
+          </p:nvSpPr>
+          <p:spPr>
+            <a:xfrm>
+              <a:off x="5530849" y="2564205"/>
+              <a:ext cx="1015997" cy="338554"/>
+            </a:xfrm>
+            <a:prstGeom prst="rect">
+              <a:avLst/>
+            </a:prstGeom>
+            <a:noFill/>
+          </p:spPr>
+          <p:txBody>
+            <a:bodyPr wrap="square" rtlCol="0">
+              <a:spAutoFit/>
+            </a:bodyPr>
+            <a:lstStyle/>
+            <a:p>
+              <a:r>
+                <a:rPr lang="en-US" altLang="ko-KR" sz="1600">
+                  <a:solidFill>
+                    <a:schemeClr val="accent5"/>
+                  </a:solidFill>
+                </a:rPr>
+                <a:t>Z - Yaw</a:t>
+              </a:r>
+              <a:endParaRPr lang="ko-KR" altLang="en-US" sz="1600">
+                <a:solidFill>
+                  <a:schemeClr val="accent5"/>
+                </a:solidFill>
+              </a:endParaRPr>
+            </a:p>
+          </p:txBody>
+        </p:sp>
+        <p:sp>
+          <p:nvSpPr>
+            <p:cNvPr id="36" name="TextBox 35">
+              <a:extLst>
+                <a:ext uri="{FF2B5EF4-FFF2-40B4-BE49-F238E27FC236}">
+                  <a16:creationId xmlns:a16="http://schemas.microsoft.com/office/drawing/2014/main" id="{13CF3748-F8C1-4981-A0DA-7BEBDD623DE2}"/>
+                </a:ext>
+              </a:extLst>
+            </p:cNvPr>
+            <p:cNvSpPr txBox="1"/>
+            <p:nvPr/>
+          </p:nvSpPr>
+          <p:spPr>
+            <a:xfrm>
+              <a:off x="6639445" y="4484295"/>
+              <a:ext cx="1120255" cy="338554"/>
+            </a:xfrm>
+            <a:prstGeom prst="rect">
+              <a:avLst/>
+            </a:prstGeom>
+            <a:noFill/>
+          </p:spPr>
+          <p:txBody>
+            <a:bodyPr wrap="square" rtlCol="0">
+              <a:spAutoFit/>
+            </a:bodyPr>
+            <a:lstStyle/>
+            <a:p>
+              <a:r>
+                <a:rPr lang="en-US" altLang="ko-KR" sz="1600">
+                  <a:solidFill>
+                    <a:schemeClr val="accent6"/>
+                  </a:solidFill>
+                </a:rPr>
+                <a:t>Y - Pitch</a:t>
+              </a:r>
+              <a:endParaRPr lang="ko-KR" altLang="en-US" sz="1600">
+                <a:solidFill>
+                  <a:schemeClr val="accent6"/>
+                </a:solidFill>
+              </a:endParaRPr>
+            </a:p>
+          </p:txBody>
+        </p:sp>
+      </p:grpSp>
+    </p:spTree>
+    <p:extLst>
+      <p:ext uri="{BB962C8B-B14F-4D97-AF65-F5344CB8AC3E}">
+        <p14:creationId xmlns:p14="http://schemas.microsoft.com/office/powerpoint/2010/main" val="3276669503"/>
+      </p:ext>
+    </p:extLst>
+  </p:cSld>
+  <p:clrMapOvr>
+    <a:masterClrMapping/>
+  </p:clrMapOvr>
+</p:sld>
+</file>
+
 <file path=ppt/theme/theme1.xml><?xml version="1.0" encoding="utf-8"?>
 <a:theme xmlns:a="http://schemas.openxmlformats.org/drawingml/2006/main" name="Office 테마">
   <a:themeElements>

--- a/assets/asset.pptx
+++ b/assets/asset.pptx
@@ -11,6 +11,7 @@
     <p:sldId id="259" r:id="rId5"/>
     <p:sldId id="260" r:id="rId6"/>
     <p:sldId id="261" r:id="rId7"/>
+    <p:sldId id="262" r:id="rId8"/>
   </p:sldIdLst>
   <p:sldSz cx="12192000" cy="6858000"/>
   <p:notesSz cx="6858000" cy="9144000"/>
@@ -6359,6 +6360,169 @@
 </p:sld>
 </file>
 
+<file path=ppt/slides/slide7.xml><?xml version="1.0" encoding="utf-8"?>
+<p:sld xmlns:a="http://schemas.openxmlformats.org/drawingml/2006/main" xmlns:r="http://schemas.openxmlformats.org/officeDocument/2006/relationships" xmlns:p="http://schemas.openxmlformats.org/presentationml/2006/main">
+  <p:cSld>
+    <p:spTree>
+      <p:nvGrpSpPr>
+        <p:cNvPr id="1" name=""/>
+        <p:cNvGrpSpPr/>
+        <p:nvPr/>
+      </p:nvGrpSpPr>
+      <p:grpSpPr>
+        <a:xfrm>
+          <a:off x="0" y="0"/>
+          <a:ext cx="0" cy="0"/>
+          <a:chOff x="0" y="0"/>
+          <a:chExt cx="0" cy="0"/>
+        </a:xfrm>
+      </p:grpSpPr>
+      <p:pic>
+        <p:nvPicPr>
+          <p:cNvPr id="3" name="그림 2">
+            <a:extLst>
+              <a:ext uri="{FF2B5EF4-FFF2-40B4-BE49-F238E27FC236}">
+                <a16:creationId xmlns:a16="http://schemas.microsoft.com/office/drawing/2014/main" id="{66FEB57E-994F-4B90-B6E4-12A0AF6917CE}"/>
+              </a:ext>
+            </a:extLst>
+          </p:cNvPr>
+          <p:cNvPicPr>
+            <a:picLocks noChangeAspect="1"/>
+          </p:cNvPicPr>
+          <p:nvPr/>
+        </p:nvPicPr>
+        <p:blipFill>
+          <a:blip r:embed="rId2"/>
+          <a:stretch>
+            <a:fillRect/>
+          </a:stretch>
+        </p:blipFill>
+        <p:spPr>
+          <a:xfrm>
+            <a:off x="1566064" y="0"/>
+            <a:ext cx="9059871" cy="6858000"/>
+          </a:xfrm>
+          <a:prstGeom prst="rect">
+            <a:avLst/>
+          </a:prstGeom>
+        </p:spPr>
+      </p:pic>
+      <p:sp>
+        <p:nvSpPr>
+          <p:cNvPr id="4" name="사각형: 둥근 모서리 3">
+            <a:extLst>
+              <a:ext uri="{FF2B5EF4-FFF2-40B4-BE49-F238E27FC236}">
+                <a16:creationId xmlns:a16="http://schemas.microsoft.com/office/drawing/2014/main" id="{54F6BC17-736B-4B45-8A28-4FD17F9B8567}"/>
+              </a:ext>
+            </a:extLst>
+          </p:cNvPr>
+          <p:cNvSpPr/>
+          <p:nvPr/>
+        </p:nvSpPr>
+        <p:spPr>
+          <a:xfrm>
+            <a:off x="4069080" y="1158241"/>
+            <a:ext cx="6446520" cy="822960"/>
+          </a:xfrm>
+          <a:prstGeom prst="roundRect">
+            <a:avLst>
+              <a:gd name="adj" fmla="val 1221"/>
+            </a:avLst>
+          </a:prstGeom>
+          <a:noFill/>
+          <a:ln w="38100">
+            <a:solidFill>
+              <a:srgbClr val="6D28BA"/>
+            </a:solidFill>
+          </a:ln>
+        </p:spPr>
+        <p:style>
+          <a:lnRef idx="2">
+            <a:schemeClr val="accent1">
+              <a:shade val="50000"/>
+            </a:schemeClr>
+          </a:lnRef>
+          <a:fillRef idx="1">
+            <a:schemeClr val="accent1"/>
+          </a:fillRef>
+          <a:effectRef idx="0">
+            <a:schemeClr val="accent1"/>
+          </a:effectRef>
+          <a:fontRef idx="minor">
+            <a:schemeClr val="lt1"/>
+          </a:fontRef>
+        </p:style>
+        <p:txBody>
+          <a:bodyPr rtlCol="0" anchor="ctr"/>
+          <a:lstStyle/>
+          <a:p>
+            <a:pPr algn="ctr"/>
+            <a:endParaRPr lang="ko-KR" altLang="en-US"/>
+          </a:p>
+        </p:txBody>
+      </p:sp>
+      <p:sp>
+        <p:nvSpPr>
+          <p:cNvPr id="13" name="직사각형 12">
+            <a:extLst>
+              <a:ext uri="{FF2B5EF4-FFF2-40B4-BE49-F238E27FC236}">
+                <a16:creationId xmlns:a16="http://schemas.microsoft.com/office/drawing/2014/main" id="{605ABAAB-2500-4029-AB5A-B5049626B26A}"/>
+              </a:ext>
+            </a:extLst>
+          </p:cNvPr>
+          <p:cNvSpPr/>
+          <p:nvPr/>
+        </p:nvSpPr>
+        <p:spPr>
+          <a:xfrm>
+            <a:off x="191385" y="85060"/>
+            <a:ext cx="574158" cy="380401"/>
+          </a:xfrm>
+          <a:prstGeom prst="rect">
+            <a:avLst/>
+          </a:prstGeom>
+          <a:solidFill>
+            <a:srgbClr val="6D28BA"/>
+          </a:solidFill>
+        </p:spPr>
+        <p:style>
+          <a:lnRef idx="2">
+            <a:schemeClr val="accent1">
+              <a:shade val="50000"/>
+            </a:schemeClr>
+          </a:lnRef>
+          <a:fillRef idx="1">
+            <a:schemeClr val="accent1"/>
+          </a:fillRef>
+          <a:effectRef idx="0">
+            <a:schemeClr val="accent1"/>
+          </a:effectRef>
+          <a:fontRef idx="minor">
+            <a:schemeClr val="lt1"/>
+          </a:fontRef>
+        </p:style>
+        <p:txBody>
+          <a:bodyPr rtlCol="0" anchor="ctr"/>
+          <a:lstStyle/>
+          <a:p>
+            <a:pPr algn="ctr"/>
+            <a:endParaRPr lang="ko-KR" altLang="en-US"/>
+          </a:p>
+        </p:txBody>
+      </p:sp>
+    </p:spTree>
+    <p:extLst>
+      <p:ext uri="{BB962C8B-B14F-4D97-AF65-F5344CB8AC3E}">
+        <p14:creationId xmlns:p14="http://schemas.microsoft.com/office/powerpoint/2010/main" val="1547267563"/>
+      </p:ext>
+    </p:extLst>
+  </p:cSld>
+  <p:clrMapOvr>
+    <a:masterClrMapping/>
+  </p:clrMapOvr>
+</p:sld>
+</file>
+
 <file path=ppt/theme/theme1.xml><?xml version="1.0" encoding="utf-8"?>
 <a:theme xmlns:a="http://schemas.openxmlformats.org/drawingml/2006/main" name="Office 테마">
   <a:themeElements>
